--- a/Teaching/Chemistry/FCC Chem 3A _Course Administration.pptx
+++ b/Teaching/Chemistry/FCC Chem 3A _Course Administration.pptx
@@ -5,7 +5,7 @@
     <p:sldMasterId id="2147483803" r:id="rId1"/>
   </p:sldMasterIdLst>
   <p:notesMasterIdLst>
-    <p:notesMasterId r:id="rId19"/>
+    <p:notesMasterId r:id="rId20"/>
   </p:notesMasterIdLst>
   <p:sldIdLst>
     <p:sldId id="833" r:id="rId2"/>
@@ -18,13 +18,14 @@
     <p:sldId id="796" r:id="rId9"/>
     <p:sldId id="834" r:id="rId10"/>
     <p:sldId id="818" r:id="rId11"/>
-    <p:sldId id="816" r:id="rId12"/>
-    <p:sldId id="835" r:id="rId13"/>
-    <p:sldId id="824" r:id="rId14"/>
-    <p:sldId id="825" r:id="rId15"/>
-    <p:sldId id="820" r:id="rId16"/>
-    <p:sldId id="829" r:id="rId17"/>
-    <p:sldId id="830" r:id="rId18"/>
+    <p:sldId id="836" r:id="rId12"/>
+    <p:sldId id="816" r:id="rId13"/>
+    <p:sldId id="835" r:id="rId14"/>
+    <p:sldId id="824" r:id="rId15"/>
+    <p:sldId id="825" r:id="rId16"/>
+    <p:sldId id="820" r:id="rId17"/>
+    <p:sldId id="829" r:id="rId18"/>
+    <p:sldId id="830" r:id="rId19"/>
   </p:sldIdLst>
   <p:sldSz cx="9144000" cy="6858000" type="screen4x3"/>
   <p:notesSz cx="7315200" cy="9601200"/>
@@ -4016,6 +4017,184 @@
         <p:cNvPr id="1" name="">
           <a:extLst>
             <a:ext uri="{FF2B5EF4-FFF2-40B4-BE49-F238E27FC236}">
+              <a16:creationId xmlns:a16="http://schemas.microsoft.com/office/drawing/2014/main" id="{AC7A284F-AF2F-03BF-471E-5932EB5D590F}"/>
+            </a:ext>
+          </a:extLst>
+        </p:cNvPr>
+        <p:cNvGrpSpPr/>
+        <p:nvPr/>
+      </p:nvGrpSpPr>
+      <p:grpSpPr>
+        <a:xfrm>
+          <a:off x="0" y="0"/>
+          <a:ext cx="0" cy="0"/>
+          <a:chOff x="0" y="0"/>
+          <a:chExt cx="0" cy="0"/>
+        </a:xfrm>
+      </p:grpSpPr>
+      <p:sp>
+        <p:nvSpPr>
+          <p:cNvPr id="4" name="Title 3">
+            <a:extLst>
+              <a:ext uri="{FF2B5EF4-FFF2-40B4-BE49-F238E27FC236}">
+                <a16:creationId xmlns:a16="http://schemas.microsoft.com/office/drawing/2014/main" id="{48FCDACB-B4A3-7273-02A0-2F59A0A02463}"/>
+              </a:ext>
+            </a:extLst>
+          </p:cNvPr>
+          <p:cNvSpPr>
+            <a:spLocks noGrp="1"/>
+          </p:cNvSpPr>
+          <p:nvPr>
+            <p:ph type="title"/>
+          </p:nvPr>
+        </p:nvSpPr>
+        <p:spPr>
+          <a:xfrm>
+            <a:off x="364067" y="306073"/>
+            <a:ext cx="8421512" cy="707886"/>
+          </a:xfrm>
+        </p:spPr>
+        <p:txBody>
+          <a:bodyPr/>
+          <a:lstStyle/>
+          <a:p>
+            <a:r>
+              <a:rPr lang="en-US" sz="4000" dirty="0"/>
+              <a:t>Content on Canvas app Now</a:t>
+            </a:r>
+          </a:p>
+        </p:txBody>
+      </p:sp>
+      <p:sp>
+        <p:nvSpPr>
+          <p:cNvPr id="5" name="Content Placeholder 4">
+            <a:extLst>
+              <a:ext uri="{FF2B5EF4-FFF2-40B4-BE49-F238E27FC236}">
+                <a16:creationId xmlns:a16="http://schemas.microsoft.com/office/drawing/2014/main" id="{8465B6AC-A295-6100-2C6B-3D1F33769F59}"/>
+              </a:ext>
+            </a:extLst>
+          </p:cNvPr>
+          <p:cNvSpPr>
+            <a:spLocks noGrp="1"/>
+          </p:cNvSpPr>
+          <p:nvPr>
+            <p:ph idx="1"/>
+          </p:nvPr>
+        </p:nvSpPr>
+        <p:spPr/>
+        <p:txBody>
+          <a:bodyPr/>
+          <a:lstStyle/>
+          <a:p>
+            <a:pPr marL="231775" lvl="1" indent="0">
+              <a:buNone/>
+            </a:pPr>
+            <a:r>
+              <a:rPr lang="en-US" dirty="0"/>
+              <a:t>There is content on the Canvas app now</a:t>
+            </a:r>
+          </a:p>
+          <a:p>
+            <a:pPr marL="231775" lvl="1" indent="0">
+              <a:buNone/>
+            </a:pPr>
+            <a:endParaRPr lang="en-US" dirty="0"/>
+          </a:p>
+          <a:p>
+            <a:pPr marL="231775" lvl="1" indent="0">
+              <a:buNone/>
+            </a:pPr>
+            <a:endParaRPr lang="en-US" dirty="0"/>
+          </a:p>
+          <a:p>
+            <a:pPr lvl="1"/>
+            <a:endParaRPr lang="en-US" dirty="0"/>
+          </a:p>
+          <a:p>
+            <a:pPr lvl="1"/>
+            <a:r>
+              <a:rPr lang="en-US" dirty="0"/>
+              <a:t>Check Assignments</a:t>
+            </a:r>
+            <a:br>
+              <a:rPr lang="en-US" dirty="0"/>
+            </a:br>
+            <a:r>
+              <a:rPr lang="en-US" dirty="0"/>
+              <a:t>typically</a:t>
+            </a:r>
+          </a:p>
+          <a:p>
+            <a:pPr lvl="1"/>
+            <a:endParaRPr lang="en-US" dirty="0"/>
+          </a:p>
+          <a:p>
+            <a:pPr lvl="1"/>
+            <a:r>
+              <a:rPr lang="en-US" dirty="0"/>
+              <a:t>It can also link to Quizzes</a:t>
+            </a:r>
+            <a:br>
+              <a:rPr lang="en-US" dirty="0"/>
+            </a:br>
+            <a:br>
+              <a:rPr lang="en-US" dirty="0"/>
+            </a:br>
+            <a:endParaRPr lang="en-US" dirty="0"/>
+          </a:p>
+        </p:txBody>
+      </p:sp>
+      <p:pic>
+        <p:nvPicPr>
+          <p:cNvPr id="3" name="Picture 2">
+            <a:extLst>
+              <a:ext uri="{FF2B5EF4-FFF2-40B4-BE49-F238E27FC236}">
+                <a16:creationId xmlns:a16="http://schemas.microsoft.com/office/drawing/2014/main" id="{249B26C1-351C-05C8-098B-2867150E2A66}"/>
+              </a:ext>
+            </a:extLst>
+          </p:cNvPr>
+          <p:cNvPicPr>
+            <a:picLocks noChangeAspect="1"/>
+          </p:cNvPicPr>
+          <p:nvPr/>
+        </p:nvPicPr>
+        <p:blipFill>
+          <a:blip r:embed="rId2"/>
+          <a:stretch>
+            <a:fillRect/>
+          </a:stretch>
+        </p:blipFill>
+        <p:spPr>
+          <a:xfrm>
+            <a:off x="4484299" y="1862918"/>
+            <a:ext cx="4461206" cy="4387755"/>
+          </a:xfrm>
+          <a:prstGeom prst="rect">
+            <a:avLst/>
+          </a:prstGeom>
+        </p:spPr>
+      </p:pic>
+    </p:spTree>
+    <p:extLst>
+      <p:ext uri="{BB962C8B-B14F-4D97-AF65-F5344CB8AC3E}">
+        <p14:creationId xmlns:p14="http://schemas.microsoft.com/office/powerpoint/2010/main" val="3710452872"/>
+      </p:ext>
+    </p:extLst>
+  </p:cSld>
+  <p:clrMapOvr>
+    <a:masterClrMapping/>
+  </p:clrMapOvr>
+</p:sld>
+</file>
+
+<file path=ppt/slides/slide12.xml><?xml version="1.0" encoding="utf-8"?>
+<p:sld xmlns:a="http://schemas.openxmlformats.org/drawingml/2006/main" xmlns:r="http://schemas.openxmlformats.org/officeDocument/2006/relationships" xmlns:p="http://schemas.openxmlformats.org/presentationml/2006/main">
+  <p:cSld>
+    <p:spTree>
+      <p:nvGrpSpPr>
+        <p:cNvPr id="1" name="">
+          <a:extLst>
+            <a:ext uri="{FF2B5EF4-FFF2-40B4-BE49-F238E27FC236}">
               <a16:creationId xmlns:a16="http://schemas.microsoft.com/office/drawing/2014/main" id="{998010F0-7B8F-D8FE-4852-FB2630225AE1}"/>
             </a:ext>
           </a:extLst>
@@ -4186,7 +4365,7 @@
 </p:sld>
 </file>
 
-<file path=ppt/slides/slide12.xml><?xml version="1.0" encoding="utf-8"?>
+<file path=ppt/slides/slide13.xml><?xml version="1.0" encoding="utf-8"?>
 <p:sld xmlns:a="http://schemas.openxmlformats.org/drawingml/2006/main" xmlns:r="http://schemas.openxmlformats.org/officeDocument/2006/relationships" xmlns:p="http://schemas.openxmlformats.org/presentationml/2006/main">
   <p:cSld>
     <p:spTree>
@@ -4312,7 +4491,7 @@
 </p:sld>
 </file>
 
-<file path=ppt/slides/slide13.xml><?xml version="1.0" encoding="utf-8"?>
+<file path=ppt/slides/slide14.xml><?xml version="1.0" encoding="utf-8"?>
 <p:sld xmlns:a="http://schemas.openxmlformats.org/drawingml/2006/main" xmlns:r="http://schemas.openxmlformats.org/officeDocument/2006/relationships" xmlns:p="http://schemas.openxmlformats.org/presentationml/2006/main">
   <p:cSld>
     <p:spTree>
@@ -4565,7 +4744,7 @@
 </p:sld>
 </file>
 
-<file path=ppt/slides/slide14.xml><?xml version="1.0" encoding="utf-8"?>
+<file path=ppt/slides/slide15.xml><?xml version="1.0" encoding="utf-8"?>
 <p:sld xmlns:a="http://schemas.openxmlformats.org/drawingml/2006/main" xmlns:r="http://schemas.openxmlformats.org/officeDocument/2006/relationships" xmlns:p="http://schemas.openxmlformats.org/presentationml/2006/main">
   <p:cSld>
     <p:spTree>
@@ -4715,7 +4894,7 @@
 </p:sld>
 </file>
 
-<file path=ppt/slides/slide15.xml><?xml version="1.0" encoding="utf-8"?>
+<file path=ppt/slides/slide16.xml><?xml version="1.0" encoding="utf-8"?>
 <p:sld xmlns:a="http://schemas.openxmlformats.org/drawingml/2006/main" xmlns:r="http://schemas.openxmlformats.org/officeDocument/2006/relationships" xmlns:p="http://schemas.openxmlformats.org/presentationml/2006/main">
   <p:cSld>
     <p:spTree>
@@ -4875,7 +5054,7 @@
 </p:sld>
 </file>
 
-<file path=ppt/slides/slide16.xml><?xml version="1.0" encoding="utf-8"?>
+<file path=ppt/slides/slide17.xml><?xml version="1.0" encoding="utf-8"?>
 <p:sld xmlns:a="http://schemas.openxmlformats.org/drawingml/2006/main" xmlns:r="http://schemas.openxmlformats.org/officeDocument/2006/relationships" xmlns:p="http://schemas.openxmlformats.org/presentationml/2006/main">
   <p:cSld>
     <p:spTree>
@@ -5068,7 +5247,7 @@
 </p:sld>
 </file>
 
-<file path=ppt/slides/slide17.xml><?xml version="1.0" encoding="utf-8"?>
+<file path=ppt/slides/slide18.xml><?xml version="1.0" encoding="utf-8"?>
 <p:sld xmlns:a="http://schemas.openxmlformats.org/drawingml/2006/main" xmlns:r="http://schemas.openxmlformats.org/officeDocument/2006/relationships" xmlns:p="http://schemas.openxmlformats.org/presentationml/2006/main">
   <p:cSld>
     <p:spTree>
